--- a/Participants/[16-17]Participants.pptx
+++ b/Participants/[16-17]Participants.pptx
@@ -6,6 +6,7 @@
   </p:sldMasterIdLst>
   <p:sldIdLst>
     <p:sldId id="256" r:id="rId2"/>
+    <p:sldId id="257" r:id="rId3"/>
   </p:sldIdLst>
   <p:sldSz cx="9144000" cy="6858000" type="screen4x3"/>
   <p:notesSz cx="6858000" cy="9144000"/>
@@ -259,7 +260,7 @@
           <a:p>
             <a:fld id="{28DF20B3-C0B1-4336-9AA5-8F707A69B185}" type="datetimeFigureOut">
               <a:rPr lang="ko-KR" altLang="en-US" smtClean="0"/>
-              <a:t>2016-09-27</a:t>
+              <a:t>2017-02-22</a:t>
             </a:fld>
             <a:endParaRPr lang="ko-KR" altLang="en-US"/>
           </a:p>
@@ -429,7 +430,7 @@
           <a:p>
             <a:fld id="{28DF20B3-C0B1-4336-9AA5-8F707A69B185}" type="datetimeFigureOut">
               <a:rPr lang="ko-KR" altLang="en-US" smtClean="0"/>
-              <a:t>2016-09-27</a:t>
+              <a:t>2017-02-22</a:t>
             </a:fld>
             <a:endParaRPr lang="ko-KR" altLang="en-US"/>
           </a:p>
@@ -609,7 +610,7 @@
           <a:p>
             <a:fld id="{28DF20B3-C0B1-4336-9AA5-8F707A69B185}" type="datetimeFigureOut">
               <a:rPr lang="ko-KR" altLang="en-US" smtClean="0"/>
-              <a:t>2016-09-27</a:t>
+              <a:t>2017-02-22</a:t>
             </a:fld>
             <a:endParaRPr lang="ko-KR" altLang="en-US"/>
           </a:p>
@@ -779,7 +780,7 @@
           <a:p>
             <a:fld id="{28DF20B3-C0B1-4336-9AA5-8F707A69B185}" type="datetimeFigureOut">
               <a:rPr lang="ko-KR" altLang="en-US" smtClean="0"/>
-              <a:t>2016-09-27</a:t>
+              <a:t>2017-02-22</a:t>
             </a:fld>
             <a:endParaRPr lang="ko-KR" altLang="en-US"/>
           </a:p>
@@ -1023,7 +1024,7 @@
           <a:p>
             <a:fld id="{28DF20B3-C0B1-4336-9AA5-8F707A69B185}" type="datetimeFigureOut">
               <a:rPr lang="ko-KR" altLang="en-US" smtClean="0"/>
-              <a:t>2016-09-27</a:t>
+              <a:t>2017-02-22</a:t>
             </a:fld>
             <a:endParaRPr lang="ko-KR" altLang="en-US"/>
           </a:p>
@@ -1255,7 +1256,7 @@
           <a:p>
             <a:fld id="{28DF20B3-C0B1-4336-9AA5-8F707A69B185}" type="datetimeFigureOut">
               <a:rPr lang="ko-KR" altLang="en-US" smtClean="0"/>
-              <a:t>2016-09-27</a:t>
+              <a:t>2017-02-22</a:t>
             </a:fld>
             <a:endParaRPr lang="ko-KR" altLang="en-US"/>
           </a:p>
@@ -1622,7 +1623,7 @@
           <a:p>
             <a:fld id="{28DF20B3-C0B1-4336-9AA5-8F707A69B185}" type="datetimeFigureOut">
               <a:rPr lang="ko-KR" altLang="en-US" smtClean="0"/>
-              <a:t>2016-09-27</a:t>
+              <a:t>2017-02-22</a:t>
             </a:fld>
             <a:endParaRPr lang="ko-KR" altLang="en-US"/>
           </a:p>
@@ -1740,7 +1741,7 @@
           <a:p>
             <a:fld id="{28DF20B3-C0B1-4336-9AA5-8F707A69B185}" type="datetimeFigureOut">
               <a:rPr lang="ko-KR" altLang="en-US" smtClean="0"/>
-              <a:t>2016-09-27</a:t>
+              <a:t>2017-02-22</a:t>
             </a:fld>
             <a:endParaRPr lang="ko-KR" altLang="en-US"/>
           </a:p>
@@ -1835,7 +1836,7 @@
           <a:p>
             <a:fld id="{28DF20B3-C0B1-4336-9AA5-8F707A69B185}" type="datetimeFigureOut">
               <a:rPr lang="ko-KR" altLang="en-US" smtClean="0"/>
-              <a:t>2016-09-27</a:t>
+              <a:t>2017-02-22</a:t>
             </a:fld>
             <a:endParaRPr lang="ko-KR" altLang="en-US"/>
           </a:p>
@@ -2112,7 +2113,7 @@
           <a:p>
             <a:fld id="{28DF20B3-C0B1-4336-9AA5-8F707A69B185}" type="datetimeFigureOut">
               <a:rPr lang="ko-KR" altLang="en-US" smtClean="0"/>
-              <a:t>2016-09-27</a:t>
+              <a:t>2017-02-22</a:t>
             </a:fld>
             <a:endParaRPr lang="ko-KR" altLang="en-US"/>
           </a:p>
@@ -2369,7 +2370,7 @@
           <a:p>
             <a:fld id="{28DF20B3-C0B1-4336-9AA5-8F707A69B185}" type="datetimeFigureOut">
               <a:rPr lang="ko-KR" altLang="en-US" smtClean="0"/>
-              <a:t>2016-09-27</a:t>
+              <a:t>2017-02-22</a:t>
             </a:fld>
             <a:endParaRPr lang="ko-KR" altLang="en-US"/>
           </a:p>
@@ -2582,7 +2583,7 @@
           <a:p>
             <a:fld id="{28DF20B3-C0B1-4336-9AA5-8F707A69B185}" type="datetimeFigureOut">
               <a:rPr lang="ko-KR" altLang="en-US" smtClean="0"/>
-              <a:t>2016-09-27</a:t>
+              <a:t>2017-02-22</a:t>
             </a:fld>
             <a:endParaRPr lang="ko-KR" altLang="en-US"/>
           </a:p>
@@ -4092,6 +4093,650 @@
 </p:sld>
 </file>
 
+<file path=ppt/slides/slide2.xml><?xml version="1.0" encoding="utf-8"?>
+<p:sld xmlns:a="http://schemas.openxmlformats.org/drawingml/2006/main" xmlns:r="http://schemas.openxmlformats.org/officeDocument/2006/relationships" xmlns:p="http://schemas.openxmlformats.org/presentationml/2006/main">
+  <p:cSld>
+    <p:spTree>
+      <p:nvGrpSpPr>
+        <p:cNvPr id="1" name=""/>
+        <p:cNvGrpSpPr/>
+        <p:nvPr/>
+      </p:nvGrpSpPr>
+      <p:grpSpPr>
+        <a:xfrm>
+          <a:off x="0" y="0"/>
+          <a:ext cx="0" cy="0"/>
+          <a:chOff x="0" y="0"/>
+          <a:chExt cx="0" cy="0"/>
+        </a:xfrm>
+      </p:grpSpPr>
+      <p:grpSp>
+        <p:nvGrpSpPr>
+          <p:cNvPr id="17" name="그룹 16"/>
+          <p:cNvGrpSpPr/>
+          <p:nvPr/>
+        </p:nvGrpSpPr>
+        <p:grpSpPr>
+          <a:xfrm>
+            <a:off x="108027" y="152398"/>
+            <a:ext cx="6856043" cy="3715974"/>
+            <a:chOff x="108027" y="152398"/>
+            <a:chExt cx="6856043" cy="3715974"/>
+          </a:xfrm>
+        </p:grpSpPr>
+        <p:sp>
+          <p:nvSpPr>
+            <p:cNvPr id="4" name="직사각형 3"/>
+            <p:cNvSpPr/>
+            <p:nvPr/>
+          </p:nvSpPr>
+          <p:spPr>
+            <a:xfrm>
+              <a:off x="108027" y="152398"/>
+              <a:ext cx="6856043" cy="3713019"/>
+            </a:xfrm>
+            <a:prstGeom prst="rect">
+              <a:avLst/>
+            </a:prstGeom>
+            <a:solidFill>
+              <a:schemeClr val="accent4">
+                <a:lumMod val="20000"/>
+                <a:lumOff val="80000"/>
+              </a:schemeClr>
+            </a:solidFill>
+            <a:ln w="28575">
+              <a:solidFill>
+                <a:schemeClr val="tx2"/>
+              </a:solidFill>
+            </a:ln>
+          </p:spPr>
+          <p:style>
+            <a:lnRef idx="2">
+              <a:schemeClr val="accent1">
+                <a:shade val="50000"/>
+              </a:schemeClr>
+            </a:lnRef>
+            <a:fillRef idx="1">
+              <a:schemeClr val="accent1"/>
+            </a:fillRef>
+            <a:effectRef idx="0">
+              <a:schemeClr val="accent1"/>
+            </a:effectRef>
+            <a:fontRef idx="minor">
+              <a:schemeClr val="lt1"/>
+            </a:fontRef>
+          </p:style>
+          <p:txBody>
+            <a:bodyPr rot="0" spcFirstLastPara="0" vertOverflow="overflow" horzOverflow="overflow" vert="horz" wrap="square" lIns="68580" tIns="34290" rIns="68580" bIns="34290" numCol="1" spcCol="0" rtlCol="0" fromWordArt="0" anchor="ctr" anchorCtr="0" forceAA="0" compatLnSpc="1">
+              <a:prstTxWarp prst="textNoShape">
+                <a:avLst/>
+              </a:prstTxWarp>
+              <a:noAutofit/>
+            </a:bodyPr>
+            <a:lstStyle/>
+            <a:p>
+              <a:pPr algn="ctr"/>
+              <a:endParaRPr lang="ko-KR" altLang="en-US" sz="1350" dirty="0"/>
+            </a:p>
+          </p:txBody>
+        </p:sp>
+        <p:pic>
+          <p:nvPicPr>
+            <p:cNvPr id="11" name="그림 10"/>
+            <p:cNvPicPr>
+              <a:picLocks noChangeAspect="1"/>
+            </p:cNvPicPr>
+            <p:nvPr/>
+          </p:nvPicPr>
+          <p:blipFill>
+            <a:blip r:embed="rId2">
+              <a:extLst>
+                <a:ext uri="{28A0092B-C50C-407E-A947-70E740481C1C}">
+                  <a14:useLocalDpi xmlns:a14="http://schemas.microsoft.com/office/drawing/2010/main" val="0"/>
+                </a:ext>
+              </a:extLst>
+            </a:blip>
+            <a:stretch>
+              <a:fillRect/>
+            </a:stretch>
+          </p:blipFill>
+          <p:spPr>
+            <a:xfrm>
+              <a:off x="183671" y="258073"/>
+              <a:ext cx="629786" cy="523344"/>
+            </a:xfrm>
+            <a:prstGeom prst="rect">
+              <a:avLst/>
+            </a:prstGeom>
+          </p:spPr>
+        </p:pic>
+        <p:pic>
+          <p:nvPicPr>
+            <p:cNvPr id="10" name="그림 9"/>
+            <p:cNvPicPr>
+              <a:picLocks noChangeAspect="1"/>
+            </p:cNvPicPr>
+            <p:nvPr/>
+          </p:nvPicPr>
+          <p:blipFill>
+            <a:blip r:embed="rId3"/>
+            <a:stretch>
+              <a:fillRect/>
+            </a:stretch>
+          </p:blipFill>
+          <p:spPr>
+            <a:xfrm>
+              <a:off x="889101" y="274699"/>
+              <a:ext cx="1097641" cy="1348800"/>
+            </a:xfrm>
+            <a:prstGeom prst="rect">
+              <a:avLst/>
+            </a:prstGeom>
+          </p:spPr>
+        </p:pic>
+        <p:grpSp>
+          <p:nvGrpSpPr>
+            <p:cNvPr id="7" name="그룹 6"/>
+            <p:cNvGrpSpPr/>
+            <p:nvPr/>
+          </p:nvGrpSpPr>
+          <p:grpSpPr>
+            <a:xfrm>
+              <a:off x="530632" y="1837491"/>
+              <a:ext cx="6032428" cy="2030881"/>
+              <a:chOff x="846828" y="1837491"/>
+              <a:chExt cx="6032428" cy="2030881"/>
+            </a:xfrm>
+          </p:grpSpPr>
+          <p:pic>
+            <p:nvPicPr>
+              <p:cNvPr id="6" name="그림 5"/>
+              <p:cNvPicPr>
+                <a:picLocks/>
+              </p:cNvPicPr>
+              <p:nvPr/>
+            </p:nvPicPr>
+            <p:blipFill>
+              <a:blip r:embed="rId4" cstate="print">
+                <a:extLst>
+                  <a:ext uri="{28A0092B-C50C-407E-A947-70E740481C1C}">
+                    <a14:useLocalDpi xmlns:a14="http://schemas.microsoft.com/office/drawing/2010/main" val="0"/>
+                  </a:ext>
+                </a:extLst>
+              </a:blip>
+              <a:stretch>
+                <a:fillRect/>
+              </a:stretch>
+            </p:blipFill>
+            <p:spPr>
+              <a:xfrm>
+                <a:off x="2119413" y="1837491"/>
+                <a:ext cx="1011600" cy="1350000"/>
+              </a:xfrm>
+              <a:prstGeom prst="rect">
+                <a:avLst/>
+              </a:prstGeom>
+            </p:spPr>
+          </p:pic>
+          <p:pic>
+            <p:nvPicPr>
+              <p:cNvPr id="8" name="그림 7"/>
+              <p:cNvPicPr>
+                <a:picLocks/>
+              </p:cNvPicPr>
+              <p:nvPr/>
+            </p:nvPicPr>
+            <p:blipFill>
+              <a:blip r:embed="rId5" cstate="print">
+                <a:extLst>
+                  <a:ext uri="{28A0092B-C50C-407E-A947-70E740481C1C}">
+                    <a14:useLocalDpi xmlns:a14="http://schemas.microsoft.com/office/drawing/2010/main" val="0"/>
+                  </a:ext>
+                </a:extLst>
+              </a:blip>
+              <a:stretch>
+                <a:fillRect/>
+              </a:stretch>
+            </p:blipFill>
+            <p:spPr>
+              <a:xfrm>
+                <a:off x="891017" y="1837491"/>
+                <a:ext cx="1011600" cy="1350000"/>
+              </a:xfrm>
+              <a:prstGeom prst="rect">
+                <a:avLst/>
+              </a:prstGeom>
+            </p:spPr>
+          </p:pic>
+          <p:pic>
+            <p:nvPicPr>
+              <p:cNvPr id="9" name="그림 8"/>
+              <p:cNvPicPr>
+                <a:picLocks/>
+              </p:cNvPicPr>
+              <p:nvPr/>
+            </p:nvPicPr>
+            <p:blipFill>
+              <a:blip r:embed="rId6">
+                <a:extLst>
+                  <a:ext uri="{28A0092B-C50C-407E-A947-70E740481C1C}">
+                    <a14:useLocalDpi xmlns:a14="http://schemas.microsoft.com/office/drawing/2010/main" val="0"/>
+                  </a:ext>
+                </a:extLst>
+              </a:blip>
+              <a:stretch>
+                <a:fillRect/>
+              </a:stretch>
+            </p:blipFill>
+            <p:spPr>
+              <a:xfrm>
+                <a:off x="3347809" y="1837491"/>
+                <a:ext cx="1011600" cy="1350000"/>
+              </a:xfrm>
+              <a:prstGeom prst="rect">
+                <a:avLst/>
+              </a:prstGeom>
+            </p:spPr>
+          </p:pic>
+          <p:pic>
+            <p:nvPicPr>
+              <p:cNvPr id="60" name="그림 59"/>
+              <p:cNvPicPr>
+                <a:picLocks/>
+              </p:cNvPicPr>
+              <p:nvPr/>
+            </p:nvPicPr>
+            <p:blipFill>
+              <a:blip r:embed="rId7" cstate="print">
+                <a:extLst>
+                  <a:ext uri="{28A0092B-C50C-407E-A947-70E740481C1C}">
+                    <a14:useLocalDpi xmlns:a14="http://schemas.microsoft.com/office/drawing/2010/main" val="0"/>
+                  </a:ext>
+                </a:extLst>
+              </a:blip>
+              <a:stretch>
+                <a:fillRect/>
+              </a:stretch>
+            </p:blipFill>
+            <p:spPr>
+              <a:xfrm>
+                <a:off x="5804601" y="1837491"/>
+                <a:ext cx="1008870" cy="1350000"/>
+              </a:xfrm>
+              <a:prstGeom prst="rect">
+                <a:avLst/>
+              </a:prstGeom>
+            </p:spPr>
+          </p:pic>
+          <p:pic>
+            <p:nvPicPr>
+              <p:cNvPr id="61" name="그림 60"/>
+              <p:cNvPicPr>
+                <a:picLocks/>
+              </p:cNvPicPr>
+              <p:nvPr/>
+            </p:nvPicPr>
+            <p:blipFill>
+              <a:blip r:embed="rId8">
+                <a:extLst>
+                  <a:ext uri="{28A0092B-C50C-407E-A947-70E740481C1C}">
+                    <a14:useLocalDpi xmlns:a14="http://schemas.microsoft.com/office/drawing/2010/main" val="0"/>
+                  </a:ext>
+                </a:extLst>
+              </a:blip>
+              <a:stretch>
+                <a:fillRect/>
+              </a:stretch>
+            </p:blipFill>
+            <p:spPr>
+              <a:xfrm>
+                <a:off x="4576205" y="1837491"/>
+                <a:ext cx="1011600" cy="1348800"/>
+              </a:xfrm>
+              <a:prstGeom prst="rect">
+                <a:avLst/>
+              </a:prstGeom>
+            </p:spPr>
+          </p:pic>
+          <p:sp>
+            <p:nvSpPr>
+              <p:cNvPr id="3" name="TextBox 2"/>
+              <p:cNvSpPr txBox="1"/>
+              <p:nvPr/>
+            </p:nvSpPr>
+            <p:spPr>
+              <a:xfrm>
+                <a:off x="846828" y="3306679"/>
+                <a:ext cx="1099981" cy="477054"/>
+              </a:xfrm>
+              <a:prstGeom prst="rect">
+                <a:avLst/>
+              </a:prstGeom>
+              <a:noFill/>
+            </p:spPr>
+            <p:txBody>
+              <a:bodyPr wrap="none" rtlCol="0">
+                <a:spAutoFit/>
+              </a:bodyPr>
+              <a:lstStyle/>
+              <a:p>
+                <a:pPr algn="ctr"/>
+                <a:r>
+                  <a:rPr lang="en-US" altLang="ko-KR" sz="1400" dirty="0" smtClean="0">
+                    <a:latin typeface="Cambria Math" panose="02040503050406030204" pitchFamily="18" charset="0"/>
+                    <a:ea typeface="문체부 제목 바탕체" panose="02030609000101010101" pitchFamily="17" charset="-127"/>
+                  </a:rPr>
+                  <a:t>Jun-sik Shin</a:t>
+                </a:r>
+                <a:endParaRPr lang="en-US" altLang="ko-KR" sz="1400" dirty="0" smtClean="0">
+                  <a:latin typeface="Cambria Math" panose="02040503050406030204" pitchFamily="18" charset="0"/>
+                  <a:ea typeface="Cambria Math" panose="02040503050406030204" pitchFamily="18" charset="0"/>
+                </a:endParaRPr>
+              </a:p>
+              <a:p>
+                <a:pPr algn="ctr"/>
+                <a:r>
+                  <a:rPr lang="en-US" altLang="ko-KR" sz="1100" dirty="0" smtClean="0">
+                    <a:latin typeface="Cambria Math" panose="02040503050406030204" pitchFamily="18" charset="0"/>
+                    <a:ea typeface="Cambria Math" panose="02040503050406030204" pitchFamily="18" charset="0"/>
+                  </a:rPr>
+                  <a:t>Ph.D. Course</a:t>
+                </a:r>
+                <a:endParaRPr lang="ko-KR" altLang="en-US" sz="1100" dirty="0">
+                  <a:latin typeface="Cambria Math" panose="02040503050406030204" pitchFamily="18" charset="0"/>
+                  <a:ea typeface="문체부 제목 바탕체" panose="02030609000101010101" pitchFamily="17" charset="-127"/>
+                </a:endParaRPr>
+              </a:p>
+            </p:txBody>
+          </p:sp>
+          <p:sp>
+            <p:nvSpPr>
+              <p:cNvPr id="12" name="TextBox 11"/>
+              <p:cNvSpPr txBox="1"/>
+              <p:nvPr/>
+            </p:nvSpPr>
+            <p:spPr>
+              <a:xfrm>
+                <a:off x="2096524" y="3298985"/>
+                <a:ext cx="1056700" cy="492443"/>
+              </a:xfrm>
+              <a:prstGeom prst="rect">
+                <a:avLst/>
+              </a:prstGeom>
+              <a:noFill/>
+            </p:spPr>
+            <p:txBody>
+              <a:bodyPr wrap="none" rtlCol="0">
+                <a:spAutoFit/>
+              </a:bodyPr>
+              <a:lstStyle/>
+              <a:p>
+                <a:pPr algn="ctr"/>
+                <a:r>
+                  <a:rPr lang="en-US" altLang="ko-KR" sz="1400" dirty="0" smtClean="0">
+                    <a:latin typeface="Cambria Math" panose="02040503050406030204" pitchFamily="18" charset="0"/>
+                    <a:ea typeface="문체부 제목 바탕체" panose="02030609000101010101" pitchFamily="17" charset="-127"/>
+                  </a:rPr>
+                  <a:t>Jungsu Han</a:t>
+                </a:r>
+              </a:p>
+              <a:p>
+                <a:pPr algn="ctr"/>
+                <a:r>
+                  <a:rPr lang="en-US" altLang="ko-KR" sz="1100" dirty="0" smtClean="0">
+                    <a:latin typeface="Cambria Math" panose="02040503050406030204" pitchFamily="18" charset="0"/>
+                    <a:ea typeface="문체부 제목 바탕체" panose="02030609000101010101" pitchFamily="17" charset="-127"/>
+                  </a:rPr>
+                  <a:t>Ph.D. Course</a:t>
+                </a:r>
+                <a:endParaRPr lang="ko-KR" altLang="en-US" sz="1100" dirty="0">
+                  <a:latin typeface="Cambria Math" panose="02040503050406030204" pitchFamily="18" charset="0"/>
+                  <a:ea typeface="문체부 제목 바탕체" panose="02030609000101010101" pitchFamily="17" charset="-127"/>
+                </a:endParaRPr>
+              </a:p>
+            </p:txBody>
+          </p:sp>
+          <p:sp>
+            <p:nvSpPr>
+              <p:cNvPr id="13" name="TextBox 12"/>
+              <p:cNvSpPr txBox="1"/>
+              <p:nvPr/>
+            </p:nvSpPr>
+            <p:spPr>
+              <a:xfrm>
+                <a:off x="3204353" y="3222041"/>
+                <a:ext cx="1297150" cy="646331"/>
+              </a:xfrm>
+              <a:prstGeom prst="rect">
+                <a:avLst/>
+              </a:prstGeom>
+              <a:noFill/>
+            </p:spPr>
+            <p:txBody>
+              <a:bodyPr wrap="none" rtlCol="0">
+                <a:spAutoFit/>
+              </a:bodyPr>
+              <a:lstStyle/>
+              <a:p>
+                <a:pPr algn="ctr"/>
+                <a:r>
+                  <a:rPr lang="en-US" altLang="ko-KR" sz="1400" dirty="0" smtClean="0">
+                    <a:latin typeface="Cambria Math" panose="02040503050406030204" pitchFamily="18" charset="0"/>
+                    <a:ea typeface="Cambria Math" panose="02040503050406030204" pitchFamily="18" charset="0"/>
+                  </a:rPr>
+                  <a:t>Usman</a:t>
+                </a:r>
+              </a:p>
+              <a:p>
+                <a:pPr algn="ctr"/>
+                <a:r>
+                  <a:rPr lang="en-US" altLang="ko-KR" sz="1100" dirty="0" smtClean="0">
+                    <a:latin typeface="Cambria Math" panose="02040503050406030204" pitchFamily="18" charset="0"/>
+                    <a:ea typeface="Cambria Math" panose="02040503050406030204" pitchFamily="18" charset="0"/>
+                  </a:rPr>
+                  <a:t>Muhammad</a:t>
+                </a:r>
+              </a:p>
+              <a:p>
+                <a:pPr algn="ctr"/>
+                <a:r>
+                  <a:rPr lang="en-US" altLang="ko-KR" sz="1100" dirty="0" smtClean="0">
+                    <a:latin typeface="Cambria Math" panose="02040503050406030204" pitchFamily="18" charset="0"/>
+                    <a:ea typeface="문체부 제목 바탕체" panose="02030609000101010101" pitchFamily="17" charset="-127"/>
+                  </a:rPr>
+                  <a:t>Ph.D. (Int.) Course</a:t>
+                </a:r>
+                <a:endParaRPr lang="ko-KR" altLang="en-US" sz="1100" dirty="0">
+                  <a:latin typeface="Cambria Math" panose="02040503050406030204" pitchFamily="18" charset="0"/>
+                  <a:ea typeface="문체부 제목 바탕체" panose="02030609000101010101" pitchFamily="17" charset="-127"/>
+                </a:endParaRPr>
+              </a:p>
+            </p:txBody>
+          </p:sp>
+          <p:sp>
+            <p:nvSpPr>
+              <p:cNvPr id="14" name="TextBox 13"/>
+              <p:cNvSpPr txBox="1"/>
+              <p:nvPr/>
+            </p:nvSpPr>
+            <p:spPr>
+              <a:xfrm>
+                <a:off x="4457127" y="3306679"/>
+                <a:ext cx="1247713" cy="477054"/>
+              </a:xfrm>
+              <a:prstGeom prst="rect">
+                <a:avLst/>
+              </a:prstGeom>
+              <a:noFill/>
+            </p:spPr>
+            <p:txBody>
+              <a:bodyPr wrap="none" rtlCol="0">
+                <a:spAutoFit/>
+              </a:bodyPr>
+              <a:lstStyle/>
+              <a:p>
+                <a:pPr algn="ctr"/>
+                <a:r>
+                  <a:rPr lang="en-US" altLang="ko-KR" sz="1400" dirty="0" smtClean="0">
+                    <a:latin typeface="Cambria Math" panose="02040503050406030204" pitchFamily="18" charset="0"/>
+                    <a:ea typeface="문체부 제목 바탕체" panose="02030609000101010101" pitchFamily="17" charset="-127"/>
+                  </a:rPr>
+                  <a:t>Heebum Yoon</a:t>
+                </a:r>
+              </a:p>
+              <a:p>
+                <a:pPr algn="ctr"/>
+                <a:r>
+                  <a:rPr lang="en-US" altLang="ko-KR" sz="1100" dirty="0" smtClean="0">
+                    <a:latin typeface="Cambria Math" panose="02040503050406030204" pitchFamily="18" charset="0"/>
+                    <a:ea typeface="문체부 제목 바탕체" panose="02030609000101010101" pitchFamily="17" charset="-127"/>
+                  </a:rPr>
+                  <a:t>M.S. Course</a:t>
+                </a:r>
+                <a:endParaRPr lang="ko-KR" altLang="en-US" sz="1100" dirty="0">
+                  <a:latin typeface="Cambria Math" panose="02040503050406030204" pitchFamily="18" charset="0"/>
+                  <a:ea typeface="문체부 제목 바탕체" panose="02030609000101010101" pitchFamily="17" charset="-127"/>
+                </a:endParaRPr>
+              </a:p>
+            </p:txBody>
+          </p:sp>
+          <p:sp>
+            <p:nvSpPr>
+              <p:cNvPr id="15" name="TextBox 14"/>
+              <p:cNvSpPr txBox="1"/>
+              <p:nvPr/>
+            </p:nvSpPr>
+            <p:spPr>
+              <a:xfrm>
+                <a:off x="5738816" y="3298985"/>
+                <a:ext cx="1140440" cy="492443"/>
+              </a:xfrm>
+              <a:prstGeom prst="rect">
+                <a:avLst/>
+              </a:prstGeom>
+              <a:noFill/>
+            </p:spPr>
+            <p:txBody>
+              <a:bodyPr wrap="none" rtlCol="0">
+                <a:spAutoFit/>
+              </a:bodyPr>
+              <a:lstStyle/>
+              <a:p>
+                <a:pPr algn="ctr"/>
+                <a:r>
+                  <a:rPr lang="en-US" altLang="ko-KR" sz="1400" dirty="0" smtClean="0">
+                    <a:latin typeface="Cambria Math" panose="02040503050406030204" pitchFamily="18" charset="0"/>
+                    <a:ea typeface="문체부 제목 바탕체" panose="02030609000101010101" pitchFamily="17" charset="-127"/>
+                  </a:rPr>
+                  <a:t>Taekho Nam</a:t>
+                </a:r>
+              </a:p>
+              <a:p>
+                <a:pPr algn="ctr"/>
+                <a:r>
+                  <a:rPr lang="en-US" altLang="ko-KR" sz="1100" dirty="0" smtClean="0">
+                    <a:latin typeface="Cambria Math" panose="02040503050406030204" pitchFamily="18" charset="0"/>
+                    <a:ea typeface="문체부 제목 바탕체" panose="02030609000101010101" pitchFamily="17" charset="-127"/>
+                  </a:rPr>
+                  <a:t>M.S. Course</a:t>
+                </a:r>
+                <a:endParaRPr lang="ko-KR" altLang="en-US" sz="1100" dirty="0">
+                  <a:latin typeface="Cambria Math" panose="02040503050406030204" pitchFamily="18" charset="0"/>
+                  <a:ea typeface="문체부 제목 바탕체" panose="02030609000101010101" pitchFamily="17" charset="-127"/>
+                </a:endParaRPr>
+              </a:p>
+            </p:txBody>
+          </p:sp>
+        </p:grpSp>
+        <p:sp>
+          <p:nvSpPr>
+            <p:cNvPr id="16" name="TextBox 15"/>
+            <p:cNvSpPr txBox="1"/>
+            <p:nvPr/>
+          </p:nvSpPr>
+          <p:spPr>
+            <a:xfrm>
+              <a:off x="1991906" y="823280"/>
+              <a:ext cx="4972163" cy="769441"/>
+            </a:xfrm>
+            <a:prstGeom prst="rect">
+              <a:avLst/>
+            </a:prstGeom>
+            <a:noFill/>
+          </p:spPr>
+          <p:txBody>
+            <a:bodyPr wrap="square" rtlCol="0">
+              <a:spAutoFit/>
+            </a:bodyPr>
+            <a:lstStyle/>
+            <a:p>
+              <a:pPr algn="just"/>
+              <a:r>
+                <a:rPr lang="en-US" altLang="ko-KR" dirty="0" smtClean="0">
+                  <a:latin typeface="Cambria Math" panose="02040503050406030204" pitchFamily="18" charset="0"/>
+                  <a:ea typeface="문체부 제목 바탕체" panose="02030609000101010101" pitchFamily="17" charset="-127"/>
+                </a:rPr>
+                <a:t>Prof. JongWon Kim</a:t>
+              </a:r>
+              <a:endParaRPr lang="en-US" altLang="ko-KR" dirty="0" smtClean="0">
+                <a:latin typeface="Cambria Math" panose="02040503050406030204" pitchFamily="18" charset="0"/>
+                <a:ea typeface="Cambria Math" panose="02040503050406030204" pitchFamily="18" charset="0"/>
+              </a:endParaRPr>
+            </a:p>
+            <a:p>
+              <a:pPr algn="just"/>
+              <a:r>
+                <a:rPr lang="en-US" altLang="ko-KR" sz="1200" dirty="0">
+                  <a:latin typeface="Cambria Math" panose="02040503050406030204" pitchFamily="18" charset="0"/>
+                  <a:ea typeface="Cambria Math" panose="02040503050406030204" pitchFamily="18" charset="0"/>
+                </a:rPr>
+                <a:t>NetCS </a:t>
+              </a:r>
+              <a:r>
+                <a:rPr lang="en-US" altLang="ko-KR" sz="1200" dirty="0" smtClean="0">
+                  <a:latin typeface="Cambria Math" panose="02040503050406030204" pitchFamily="18" charset="0"/>
+                  <a:ea typeface="Cambria Math" panose="02040503050406030204" pitchFamily="18" charset="0"/>
+                </a:rPr>
+                <a:t>Lab. , School of Electrical Engineering and Computer Science, </a:t>
+              </a:r>
+              <a:r>
+                <a:rPr lang="en-US" altLang="ko-KR" sz="1200" dirty="0" smtClean="0">
+                  <a:latin typeface="Cambria Math" panose="02040503050406030204" pitchFamily="18" charset="0"/>
+                  <a:ea typeface="Cambria Math" panose="02040503050406030204" pitchFamily="18" charset="0"/>
+                </a:rPr>
+                <a:t>GIST</a:t>
+              </a:r>
+            </a:p>
+            <a:p>
+              <a:pPr algn="just"/>
+              <a:r>
+                <a:rPr lang="en-US" altLang="ko-KR" sz="1400" dirty="0" smtClean="0">
+                  <a:latin typeface="Cambria Math" panose="02040503050406030204" pitchFamily="18" charset="0"/>
+                  <a:ea typeface="Cambria Math" panose="02040503050406030204" pitchFamily="18" charset="0"/>
+                </a:rPr>
+                <a:t>Software-defined Infrastructure, Future Internet Testbed</a:t>
+              </a:r>
+              <a:endParaRPr lang="ko-KR" altLang="en-US" sz="1400" dirty="0">
+                <a:latin typeface="Cambria Math" panose="02040503050406030204" pitchFamily="18" charset="0"/>
+                <a:ea typeface="문체부 제목 바탕체" panose="02030609000101010101" pitchFamily="17" charset="-127"/>
+              </a:endParaRPr>
+            </a:p>
+          </p:txBody>
+        </p:sp>
+      </p:grpSp>
+    </p:spTree>
+    <p:extLst>
+      <p:ext uri="{BB962C8B-B14F-4D97-AF65-F5344CB8AC3E}">
+        <p14:creationId xmlns:p14="http://schemas.microsoft.com/office/powerpoint/2010/main" val="676316749"/>
+      </p:ext>
+    </p:extLst>
+  </p:cSld>
+  <p:clrMapOvr>
+    <a:masterClrMapping/>
+  </p:clrMapOvr>
+</p:sld>
+</file>
+
 <file path=ppt/theme/theme1.xml><?xml version="1.0" encoding="utf-8"?>
 <a:theme xmlns:a="http://schemas.openxmlformats.org/drawingml/2006/main" name="Office 테마">
   <a:themeElements>
